--- a/Collaboration - Architecture.pptx
+++ b/Collaboration - Architecture.pptx
@@ -300,7 +300,7 @@
             <a:fld id="{1D8BD707-D9CF-40AE-B4C6-C98DA3205C09}" type="datetimeFigureOut">
               <a:rPr lang="en-US" smtClean="0"/>
               <a:pPr/>
-              <a:t>4/23/2018</a:t>
+              <a:t>4/24/2018</a:t>
             </a:fld>
             <a:endParaRPr lang="en-US"/>
           </a:p>
@@ -467,7 +467,7 @@
             <a:fld id="{1D8BD707-D9CF-40AE-B4C6-C98DA3205C09}" type="datetimeFigureOut">
               <a:rPr lang="en-US" smtClean="0"/>
               <a:pPr/>
-              <a:t>4/23/2018</a:t>
+              <a:t>4/24/2018</a:t>
             </a:fld>
             <a:endParaRPr lang="en-US"/>
           </a:p>
@@ -644,7 +644,7 @@
             <a:fld id="{1D8BD707-D9CF-40AE-B4C6-C98DA3205C09}" type="datetimeFigureOut">
               <a:rPr lang="en-US" smtClean="0"/>
               <a:pPr/>
-              <a:t>4/23/2018</a:t>
+              <a:t>4/24/2018</a:t>
             </a:fld>
             <a:endParaRPr lang="en-US"/>
           </a:p>
@@ -811,7 +811,7 @@
             <a:fld id="{1D8BD707-D9CF-40AE-B4C6-C98DA3205C09}" type="datetimeFigureOut">
               <a:rPr lang="en-US" smtClean="0"/>
               <a:pPr/>
-              <a:t>4/23/2018</a:t>
+              <a:t>4/24/2018</a:t>
             </a:fld>
             <a:endParaRPr lang="en-US"/>
           </a:p>
@@ -1054,7 +1054,7 @@
             <a:fld id="{1D8BD707-D9CF-40AE-B4C6-C98DA3205C09}" type="datetimeFigureOut">
               <a:rPr lang="en-US" smtClean="0"/>
               <a:pPr/>
-              <a:t>4/23/2018</a:t>
+              <a:t>4/24/2018</a:t>
             </a:fld>
             <a:endParaRPr lang="en-US"/>
           </a:p>
@@ -1339,7 +1339,7 @@
             <a:fld id="{1D8BD707-D9CF-40AE-B4C6-C98DA3205C09}" type="datetimeFigureOut">
               <a:rPr lang="en-US" smtClean="0"/>
               <a:pPr/>
-              <a:t>4/23/2018</a:t>
+              <a:t>4/24/2018</a:t>
             </a:fld>
             <a:endParaRPr lang="en-US"/>
           </a:p>
@@ -1758,7 +1758,7 @@
             <a:fld id="{1D8BD707-D9CF-40AE-B4C6-C98DA3205C09}" type="datetimeFigureOut">
               <a:rPr lang="en-US" smtClean="0"/>
               <a:pPr/>
-              <a:t>4/23/2018</a:t>
+              <a:t>4/24/2018</a:t>
             </a:fld>
             <a:endParaRPr lang="en-US"/>
           </a:p>
@@ -1873,7 +1873,7 @@
             <a:fld id="{1D8BD707-D9CF-40AE-B4C6-C98DA3205C09}" type="datetimeFigureOut">
               <a:rPr lang="en-US" smtClean="0"/>
               <a:pPr/>
-              <a:t>4/23/2018</a:t>
+              <a:t>4/24/2018</a:t>
             </a:fld>
             <a:endParaRPr lang="en-US"/>
           </a:p>
@@ -1965,7 +1965,7 @@
             <a:fld id="{1D8BD707-D9CF-40AE-B4C6-C98DA3205C09}" type="datetimeFigureOut">
               <a:rPr lang="en-US" smtClean="0"/>
               <a:pPr/>
-              <a:t>4/23/2018</a:t>
+              <a:t>4/24/2018</a:t>
             </a:fld>
             <a:endParaRPr lang="en-US"/>
           </a:p>
@@ -2239,7 +2239,7 @@
             <a:fld id="{1D8BD707-D9CF-40AE-B4C6-C98DA3205C09}" type="datetimeFigureOut">
               <a:rPr lang="en-US" smtClean="0"/>
               <a:pPr/>
-              <a:t>4/23/2018</a:t>
+              <a:t>4/24/2018</a:t>
             </a:fld>
             <a:endParaRPr lang="en-US"/>
           </a:p>
@@ -2489,7 +2489,7 @@
             <a:fld id="{1D8BD707-D9CF-40AE-B4C6-C98DA3205C09}" type="datetimeFigureOut">
               <a:rPr lang="en-US" smtClean="0"/>
               <a:pPr/>
-              <a:t>4/23/2018</a:t>
+              <a:t>4/24/2018</a:t>
             </a:fld>
             <a:endParaRPr lang="en-US"/>
           </a:p>
@@ -2699,7 +2699,7 @@
             <a:fld id="{1D8BD707-D9CF-40AE-B4C6-C98DA3205C09}" type="datetimeFigureOut">
               <a:rPr lang="en-US" smtClean="0"/>
               <a:pPr/>
-              <a:t>4/23/2018</a:t>
+              <a:t>4/24/2018</a:t>
             </a:fld>
             <a:endParaRPr lang="en-US"/>
           </a:p>
@@ -3558,11 +3558,7 @@
             </a:r>
             <a:r>
               <a:rPr lang="en-IN" dirty="0" smtClean="0"/>
-              <a:t> – can use as </a:t>
-            </a:r>
-            <a:r>
-              <a:rPr lang="en-IN" dirty="0" smtClean="0"/>
-              <a:t>editor</a:t>
+              <a:t> – can use as editor</a:t>
             </a:r>
           </a:p>
           <a:p>
@@ -3847,7 +3843,11 @@
             </a:r>
             <a:r>
               <a:rPr lang="en-IN" dirty="0" smtClean="0"/>
-              <a:t> can be test by using Postman/</a:t>
+              <a:t> can be test by using </a:t>
+            </a:r>
+            <a:r>
+              <a:rPr lang="en-IN" dirty="0" smtClean="0"/>
+              <a:t>	Postman/</a:t>
             </a:r>
             <a:r>
               <a:rPr lang="en-IN" dirty="0" err="1" smtClean="0"/>
@@ -3857,9 +3857,10 @@
               <a:rPr lang="en-IN" dirty="0" smtClean="0"/>
               <a:t> </a:t>
             </a:r>
-          </a:p>
-          <a:p>
-            <a:pPr lvl="1"/>
+            <a:endParaRPr lang="en-IN" dirty="0" smtClean="0"/>
+          </a:p>
+          <a:p>
+            <a:pPr lvl="3"/>
             <a:r>
               <a:rPr lang="en-IN" dirty="0" smtClean="0"/>
               <a:t>These are </a:t>
@@ -3870,7 +3871,47 @@
             </a:r>
             <a:r>
               <a:rPr lang="en-IN" dirty="0" smtClean="0"/>
-              <a:t>/add-ons in the browser</a:t>
+              <a:t>/add-ons in the </a:t>
+            </a:r>
+            <a:r>
+              <a:rPr lang="en-IN" dirty="0" smtClean="0"/>
+              <a:t>browser</a:t>
+            </a:r>
+          </a:p>
+          <a:p>
+            <a:pPr>
+              <a:buNone/>
+            </a:pPr>
+            <a:r>
+              <a:rPr lang="en-US" dirty="0" smtClean="0"/>
+              <a:t>   		</a:t>
+            </a:r>
+            <a:r>
+              <a:rPr lang="en-US" dirty="0" err="1" smtClean="0"/>
+              <a:t>MockMVC</a:t>
+            </a:r>
+            <a:endParaRPr lang="en-US" dirty="0" smtClean="0"/>
+          </a:p>
+          <a:p>
+            <a:pPr>
+              <a:buNone/>
+            </a:pPr>
+            <a:r>
+              <a:rPr lang="en-US" dirty="0" smtClean="0"/>
+              <a:t>Angular JS</a:t>
+            </a:r>
+          </a:p>
+          <a:p>
+            <a:pPr>
+              <a:buNone/>
+            </a:pPr>
+            <a:r>
+              <a:rPr lang="en-US" dirty="0" smtClean="0"/>
+              <a:t>	</a:t>
+            </a:r>
+            <a:r>
+              <a:rPr lang="en-US" dirty="0" smtClean="0"/>
+              <a:t>Karma, Jasmine.</a:t>
             </a:r>
             <a:endParaRPr lang="en-IN" dirty="0"/>
           </a:p>
@@ -8442,15 +8483,7 @@
           <a:p>
             <a:r>
               <a:rPr lang="en-IN" dirty="0" smtClean="0"/>
-              <a:t>How many different </a:t>
-            </a:r>
-            <a:r>
-              <a:rPr lang="en-IN" dirty="0" smtClean="0"/>
-              <a:t>projects</a:t>
-            </a:r>
-            <a:r>
-              <a:rPr lang="en-IN" dirty="0" smtClean="0"/>
-              <a:t>?</a:t>
+              <a:t>How many different projects?</a:t>
             </a:r>
             <a:endParaRPr lang="en-IN" dirty="0"/>
           </a:p>
